--- a/Präsentation 16 zu 10 - IEH.pptx
+++ b/Präsentation 16 zu 10 - IEH.pptx
@@ -166,7 +166,7 @@
 <file path=ppt/revisionInfo.xml><?xml version="1.0" encoding="utf-8"?>
 <p1510:revInfo xmlns:a="http://schemas.openxmlformats.org/drawingml/2006/main" xmlns:r="http://schemas.openxmlformats.org/officeDocument/2006/relationships" xmlns:p1510="http://schemas.microsoft.com/office/powerpoint/2015/10/main">
   <p1510:revLst>
-    <p1510:client id="{9C56B838-369E-44BD-852D-595116078EF2}" v="722" dt="2019-09-18T13:42:46.415"/>
+    <p1510:client id="{9C56B838-369E-44BD-852D-595116078EF2}" v="730" dt="2019-09-19T12:48:19.381"/>
   </p1510:revLst>
 </p1510:revInfo>
 </file>
@@ -5853,7 +5853,7 @@
             <a:pPr algn="l"/>
             <a:fld id="{70DC3B59-BCDF-4256-A168-012A2AA16E32}" type="datetime1">
               <a:rPr lang="de-DE" sz="800" smtClean="0"/>
-              <a:t>18.09.2019</a:t>
+              <a:t>19.09.2019</a:t>
             </a:fld>
             <a:endParaRPr lang="en-US" sz="800"/>
           </a:p>
@@ -6048,7 +6048,7 @@
           <a:p>
             <a:fld id="{65612E96-A133-4402-AE1A-771A66978883}" type="datetime1">
               <a:rPr lang="de-DE" smtClean="0"/>
-              <a:t>18.09.2019</a:t>
+              <a:t>19.09.2019</a:t>
             </a:fld>
             <a:endParaRPr lang="en-US"/>
           </a:p>
@@ -6398,7 +6398,12 @@
             <p:ph type="sldImg"/>
           </p:nvPr>
         </p:nvSpPr>
-        <p:spPr/>
+        <p:spPr>
+          <a:xfrm>
+            <a:off x="468313" y="1009650"/>
+            <a:ext cx="4937125" cy="3086100"/>
+          </a:xfrm>
+        </p:spPr>
       </p:sp>
       <p:sp>
         <p:nvSpPr>
@@ -6415,7 +6420,7 @@
           <a:bodyPr/>
           <a:lstStyle/>
           <a:p>
-            <a:endParaRPr lang="de-DE"/>
+            <a:endParaRPr lang="de-DE" dirty="0"/>
           </a:p>
         </p:txBody>
       </p:sp>
@@ -6435,9 +6440,18 @@
           <a:lstStyle/>
           <a:p>
             <a:r>
-              <a:rPr lang="en-US"/>
-              <a:t>Titel der Präsentation</a:t>
-            </a:r>
+              <a:rPr lang="en-US" dirty="0" err="1"/>
+              <a:t>Titel</a:t>
+            </a:r>
+            <a:r>
+              <a:rPr lang="en-US" dirty="0"/>
+              <a:t> der </a:t>
+            </a:r>
+            <a:r>
+              <a:rPr lang="en-US" dirty="0" err="1"/>
+              <a:t>Präsentation</a:t>
+            </a:r>
+            <a:endParaRPr lang="en-US" dirty="0"/>
           </a:p>
         </p:txBody>
       </p:sp>
@@ -6458,7 +6472,7 @@
           <a:p>
             <a:fld id="{65612E96-A133-4402-AE1A-771A66978883}" type="datetime1">
               <a:rPr lang="de-DE" smtClean="0"/>
-              <a:t>18.09.2019</a:t>
+              <a:t>19.09.2019</a:t>
             </a:fld>
             <a:endParaRPr lang="en-US"/>
           </a:p>
@@ -6649,7 +6663,7 @@
           <a:p>
             <a:fld id="{65612E96-A133-4402-AE1A-771A66978883}" type="datetime1">
               <a:rPr lang="de-DE" smtClean="0"/>
-              <a:t>18.09.2019</a:t>
+              <a:t>19.09.2019</a:t>
             </a:fld>
             <a:endParaRPr lang="en-US" dirty="0"/>
           </a:p>
@@ -6839,7 +6853,7 @@
           <a:p>
             <a:fld id="{65612E96-A133-4402-AE1A-771A66978883}" type="datetime1">
               <a:rPr lang="de-DE" smtClean="0"/>
-              <a:t>18.09.2019</a:t>
+              <a:t>19.09.2019</a:t>
             </a:fld>
             <a:endParaRPr lang="en-US" dirty="0"/>
           </a:p>
@@ -7029,7 +7043,7 @@
           <a:p>
             <a:fld id="{65612E96-A133-4402-AE1A-771A66978883}" type="datetime1">
               <a:rPr lang="de-DE" smtClean="0"/>
-              <a:t>18.09.2019</a:t>
+              <a:t>19.09.2019</a:t>
             </a:fld>
             <a:endParaRPr lang="en-US" dirty="0"/>
           </a:p>
@@ -7219,7 +7233,7 @@
           <a:p>
             <a:fld id="{65612E96-A133-4402-AE1A-771A66978883}" type="datetime1">
               <a:rPr lang="de-DE" smtClean="0"/>
-              <a:t>18.09.2019</a:t>
+              <a:t>19.09.2019</a:t>
             </a:fld>
             <a:endParaRPr lang="en-US" dirty="0"/>
           </a:p>
@@ -7409,7 +7423,7 @@
           <a:p>
             <a:fld id="{65612E96-A133-4402-AE1A-771A66978883}" type="datetime1">
               <a:rPr lang="de-DE" smtClean="0"/>
-              <a:t>18.09.2019</a:t>
+              <a:t>19.09.2019</a:t>
             </a:fld>
             <a:endParaRPr lang="en-US" dirty="0"/>
           </a:p>
@@ -7570,7 +7584,7 @@
           <a:p>
             <a:fld id="{65612E96-A133-4402-AE1A-771A66978883}" type="datetime1">
               <a:rPr lang="de-DE" smtClean="0"/>
-              <a:t>18.09.2019</a:t>
+              <a:t>19.09.2019</a:t>
             </a:fld>
             <a:endParaRPr lang="en-US"/>
           </a:p>
@@ -7728,7 +7742,7 @@
           <a:p>
             <a:fld id="{65612E96-A133-4402-AE1A-771A66978883}" type="datetime1">
               <a:rPr lang="de-DE" smtClean="0"/>
-              <a:t>18.09.2019</a:t>
+              <a:t>19.09.2019</a:t>
             </a:fld>
             <a:endParaRPr lang="en-US"/>
           </a:p>
@@ -7886,7 +7900,7 @@
           <a:p>
             <a:fld id="{65612E96-A133-4402-AE1A-771A66978883}" type="datetime1">
               <a:rPr lang="de-DE" smtClean="0"/>
-              <a:t>18.09.2019</a:t>
+              <a:t>19.09.2019</a:t>
             </a:fld>
             <a:endParaRPr lang="en-US"/>
           </a:p>
@@ -8044,7 +8058,7 @@
           <a:p>
             <a:fld id="{65612E96-A133-4402-AE1A-771A66978883}" type="datetime1">
               <a:rPr lang="de-DE" smtClean="0"/>
-              <a:t>18.09.2019</a:t>
+              <a:t>19.09.2019</a:t>
             </a:fld>
             <a:endParaRPr lang="en-US"/>
           </a:p>
@@ -8197,7 +8211,7 @@
           <a:p>
             <a:fld id="{65612E96-A133-4402-AE1A-771A66978883}" type="datetime1">
               <a:rPr lang="de-DE" smtClean="0"/>
-              <a:t>18.09.2019</a:t>
+              <a:t>19.09.2019</a:t>
             </a:fld>
             <a:endParaRPr lang="en-US"/>
           </a:p>
@@ -8355,7 +8369,7 @@
           <a:p>
             <a:fld id="{65612E96-A133-4402-AE1A-771A66978883}" type="datetime1">
               <a:rPr lang="de-DE" smtClean="0"/>
-              <a:t>18.09.2019</a:t>
+              <a:t>19.09.2019</a:t>
             </a:fld>
             <a:endParaRPr lang="en-US"/>
           </a:p>
@@ -8522,7 +8536,7 @@
           <a:p>
             <a:fld id="{65612E96-A133-4402-AE1A-771A66978883}" type="datetime1">
               <a:rPr lang="de-DE" smtClean="0"/>
-              <a:t>18.09.2019</a:t>
+              <a:t>19.09.2019</a:t>
             </a:fld>
             <a:endParaRPr lang="en-US"/>
           </a:p>
@@ -8615,7 +8629,12 @@
             <p:ph type="sldImg"/>
           </p:nvPr>
         </p:nvSpPr>
-        <p:spPr/>
+        <p:spPr>
+          <a:xfrm>
+            <a:off x="468313" y="1009650"/>
+            <a:ext cx="4937125" cy="3086100"/>
+          </a:xfrm>
+        </p:spPr>
       </p:sp>
       <p:sp>
         <p:nvSpPr>
@@ -8675,7 +8694,7 @@
           <a:p>
             <a:fld id="{65612E96-A133-4402-AE1A-771A66978883}" type="datetime1">
               <a:rPr lang="de-DE" smtClean="0"/>
-              <a:t>18.09.2019</a:t>
+              <a:t>19.09.2019</a:t>
             </a:fld>
             <a:endParaRPr lang="en-US"/>
           </a:p>
@@ -8833,7 +8852,7 @@
           <a:p>
             <a:fld id="{65612E96-A133-4402-AE1A-771A66978883}" type="datetime1">
               <a:rPr lang="de-DE" smtClean="0"/>
-              <a:t>18.09.2019</a:t>
+              <a:t>19.09.2019</a:t>
             </a:fld>
             <a:endParaRPr lang="en-US"/>
           </a:p>
@@ -8991,7 +9010,7 @@
           <a:p>
             <a:fld id="{65612E96-A133-4402-AE1A-771A66978883}" type="datetime1">
               <a:rPr lang="de-DE" smtClean="0"/>
-              <a:t>18.09.2019</a:t>
+              <a:t>19.09.2019</a:t>
             </a:fld>
             <a:endParaRPr lang="en-US"/>
           </a:p>
@@ -9144,7 +9163,7 @@
           <a:p>
             <a:fld id="{65612E96-A133-4402-AE1A-771A66978883}" type="datetime1">
               <a:rPr lang="de-DE" smtClean="0"/>
-              <a:t>18.09.2019</a:t>
+              <a:t>19.09.2019</a:t>
             </a:fld>
             <a:endParaRPr lang="en-US"/>
           </a:p>
@@ -9302,7 +9321,7 @@
           <a:p>
             <a:fld id="{65612E96-A133-4402-AE1A-771A66978883}" type="datetime1">
               <a:rPr lang="de-DE" smtClean="0"/>
-              <a:t>18.09.2019</a:t>
+              <a:t>19.09.2019</a:t>
             </a:fld>
             <a:endParaRPr lang="en-US"/>
           </a:p>
@@ -9469,7 +9488,7 @@
           <a:p>
             <a:fld id="{65612E96-A133-4402-AE1A-771A66978883}" type="datetime1">
               <a:rPr lang="de-DE" smtClean="0"/>
-              <a:t>18.09.2019</a:t>
+              <a:t>19.09.2019</a:t>
             </a:fld>
             <a:endParaRPr lang="en-US"/>
           </a:p>
@@ -9622,7 +9641,7 @@
           <a:p>
             <a:fld id="{65612E96-A133-4402-AE1A-771A66978883}" type="datetime1">
               <a:rPr lang="de-DE" smtClean="0"/>
-              <a:t>18.09.2019</a:t>
+              <a:t>19.09.2019</a:t>
             </a:fld>
             <a:endParaRPr lang="en-US"/>
           </a:p>
@@ -9813,7 +9832,7 @@
           <a:p>
             <a:fld id="{65612E96-A133-4402-AE1A-771A66978883}" type="datetime1">
               <a:rPr lang="de-DE" smtClean="0"/>
-              <a:t>18.09.2019</a:t>
+              <a:t>19.09.2019</a:t>
             </a:fld>
             <a:endParaRPr lang="en-US" dirty="0"/>
           </a:p>
@@ -22507,7 +22526,7 @@
             </a:br>
             <a:r>
               <a:rPr lang="en-GB" dirty="0" err="1"/>
-              <a:t>Lastmanagementsystem</a:t>
+              <a:t>Lastmanagementsystems</a:t>
             </a:r>
             <a:br>
               <a:rPr lang="en-GB" dirty="0"/>
@@ -22787,34 +22806,13 @@
               <a:buChar char="§"/>
             </a:pPr>
             <a:r>
-              <a:rPr lang="en-GB" sz="1800" dirty="0" err="1">
+              <a:rPr lang="en-GB" sz="1800" dirty="0">
                 <a:solidFill>
                   <a:schemeClr val="bg1"/>
                 </a:solidFill>
               </a:rPr>
-              <a:t>Einleitung</a:t>
-            </a:r>
-            <a:r>
-              <a:rPr lang="en-GB" sz="1800" dirty="0">
-                <a:solidFill>
-                  <a:schemeClr val="bg1"/>
-                </a:solidFill>
-              </a:rPr>
-              <a:t> und </a:t>
-            </a:r>
-            <a:r>
-              <a:rPr lang="en-GB" sz="1800" dirty="0" err="1">
-                <a:solidFill>
-                  <a:schemeClr val="bg1"/>
-                </a:solidFill>
-              </a:rPr>
-              <a:t>Aufgabenstellung</a:t>
-            </a:r>
-            <a:endParaRPr lang="en-GB" sz="1800" dirty="0">
-              <a:solidFill>
-                <a:schemeClr val="bg1"/>
-              </a:solidFill>
-            </a:endParaRPr>
+              <a:t>Motivation</a:t>
+            </a:r>
           </a:p>
           <a:p>
             <a:pPr fontAlgn="auto">
@@ -22954,18 +22952,13 @@
               <a:buChar char="§"/>
             </a:pPr>
             <a:r>
-              <a:rPr lang="en-US" sz="1700" dirty="0" err="1">
+              <a:rPr lang="de-DE" sz="1700" dirty="0">
                 <a:solidFill>
                   <a:schemeClr val="bg1"/>
                 </a:solidFill>
               </a:rPr>
               <a:t>Ergebnisse</a:t>
             </a:r>
-            <a:endParaRPr lang="en-US" sz="1700" dirty="0">
-              <a:solidFill>
-                <a:schemeClr val="bg1"/>
-              </a:solidFill>
-            </a:endParaRPr>
           </a:p>
         </p:txBody>
       </p:sp>
@@ -41069,35 +41062,6 @@
           </a:p>
         </p:txBody>
       </p:sp>
-      <p:pic>
-        <p:nvPicPr>
-          <p:cNvPr id="2" name="Grafik 1">
-            <a:extLst>
-              <a:ext uri="{FF2B5EF4-FFF2-40B4-BE49-F238E27FC236}">
-                <a16:creationId xmlns:a16="http://schemas.microsoft.com/office/drawing/2014/main" id="{465922CA-6A1C-483D-AB17-A9DE3BD2A875}"/>
-              </a:ext>
-            </a:extLst>
-          </p:cNvPr>
-          <p:cNvPicPr>
-            <a:picLocks noChangeAspect="1"/>
-          </p:cNvPicPr>
-          <p:nvPr/>
-        </p:nvPicPr>
-        <p:blipFill rotWithShape="1">
-          <a:blip r:embed="rId3"/>
-          <a:srcRect b="11053"/>
-          <a:stretch/>
-        </p:blipFill>
-        <p:spPr>
-          <a:xfrm>
-            <a:off x="3963709" y="1308400"/>
-            <a:ext cx="4798691" cy="2907893"/>
-          </a:xfrm>
-          <a:prstGeom prst="rect">
-            <a:avLst/>
-          </a:prstGeom>
-        </p:spPr>
-      </p:pic>
       <p:sp>
         <p:nvSpPr>
           <p:cNvPr id="7" name="Textplatzhalter 6"/>
@@ -41239,35 +41203,6 @@
           </a:p>
         </p:txBody>
       </p:sp>
-      <p:pic>
-        <p:nvPicPr>
-          <p:cNvPr id="11" name="Grafik 10">
-            <a:extLst>
-              <a:ext uri="{FF2B5EF4-FFF2-40B4-BE49-F238E27FC236}">
-                <a16:creationId xmlns:a16="http://schemas.microsoft.com/office/drawing/2014/main" id="{77BC7498-57E0-4FE7-B94A-7CEFE45073C4}"/>
-              </a:ext>
-            </a:extLst>
-          </p:cNvPr>
-          <p:cNvPicPr>
-            <a:picLocks noChangeAspect="1"/>
-          </p:cNvPicPr>
-          <p:nvPr/>
-        </p:nvPicPr>
-        <p:blipFill rotWithShape="1">
-          <a:blip r:embed="rId3"/>
-          <a:srcRect l="32090" t="89646" r="21963"/>
-          <a:stretch/>
-        </p:blipFill>
-        <p:spPr>
-          <a:xfrm>
-            <a:off x="5427783" y="3343275"/>
-            <a:ext cx="2204885" cy="338498"/>
-          </a:xfrm>
-          <a:prstGeom prst="rect">
-            <a:avLst/>
-          </a:prstGeom>
-        </p:spPr>
-      </p:pic>
       <p:sp>
         <p:nvSpPr>
           <p:cNvPr id="12" name="Rechteck 11">
@@ -41591,6 +41526,64 @@
           </a:p>
         </p:txBody>
       </p:sp>
+      <p:pic>
+        <p:nvPicPr>
+          <p:cNvPr id="5" name="Grafik 4">
+            <a:extLst>
+              <a:ext uri="{FF2B5EF4-FFF2-40B4-BE49-F238E27FC236}">
+                <a16:creationId xmlns:a16="http://schemas.microsoft.com/office/drawing/2014/main" id="{50ED45FF-A7EC-4CB6-98D3-51247049DC71}"/>
+              </a:ext>
+            </a:extLst>
+          </p:cNvPr>
+          <p:cNvPicPr>
+            <a:picLocks noChangeAspect="1"/>
+          </p:cNvPicPr>
+          <p:nvPr/>
+        </p:nvPicPr>
+        <p:blipFill rotWithShape="1">
+          <a:blip r:embed="rId3"/>
+          <a:srcRect b="11818"/>
+          <a:stretch/>
+        </p:blipFill>
+        <p:spPr>
+          <a:xfrm>
+            <a:off x="3934336" y="1319982"/>
+            <a:ext cx="4798310" cy="2874168"/>
+          </a:xfrm>
+          <a:prstGeom prst="rect">
+            <a:avLst/>
+          </a:prstGeom>
+        </p:spPr>
+      </p:pic>
+      <p:pic>
+        <p:nvPicPr>
+          <p:cNvPr id="16" name="Grafik 15">
+            <a:extLst>
+              <a:ext uri="{FF2B5EF4-FFF2-40B4-BE49-F238E27FC236}">
+                <a16:creationId xmlns:a16="http://schemas.microsoft.com/office/drawing/2014/main" id="{714C276A-658C-47A0-982E-32C7E9F4B2CC}"/>
+              </a:ext>
+            </a:extLst>
+          </p:cNvPr>
+          <p:cNvPicPr>
+            <a:picLocks noChangeAspect="1"/>
+          </p:cNvPicPr>
+          <p:nvPr/>
+        </p:nvPicPr>
+        <p:blipFill rotWithShape="1">
+          <a:blip r:embed="rId3"/>
+          <a:srcRect l="39216" t="89682" r="29442" b="813"/>
+          <a:stretch/>
+        </p:blipFill>
+        <p:spPr>
+          <a:xfrm>
+            <a:off x="5778302" y="3370434"/>
+            <a:ext cx="1503848" cy="309837"/>
+          </a:xfrm>
+          <a:prstGeom prst="rect">
+            <a:avLst/>
+          </a:prstGeom>
+        </p:spPr>
+      </p:pic>
     </p:spTree>
     <p:extLst>
       <p:ext uri="{BB962C8B-B14F-4D97-AF65-F5344CB8AC3E}">
@@ -42985,18 +42978,9 @@
           <a:lstStyle/>
           <a:p>
             <a:r>
-              <a:rPr lang="en-GB" dirty="0" err="1"/>
-              <a:t>Einleitung</a:t>
-            </a:r>
-            <a:r>
-              <a:rPr lang="en-GB" dirty="0"/>
-              <a:t> und </a:t>
-            </a:r>
-            <a:r>
-              <a:rPr lang="en-GB" dirty="0" err="1"/>
-              <a:t>Aufgabenstellung</a:t>
-            </a:r>
-            <a:endParaRPr lang="en-GB" dirty="0"/>
+              <a:rPr lang="de-DE" dirty="0"/>
+              <a:t>Motivation</a:t>
+            </a:r>
           </a:p>
         </p:txBody>
       </p:sp>
@@ -43163,20 +43147,6 @@
           <a:p>
             <a:r>
               <a:rPr lang="de-DE" dirty="0"/>
-              <a:t>Lastmanagementsystem</a:t>
-            </a:r>
-            <a:r>
-              <a:rPr lang="en-GB" dirty="0"/>
-              <a:t> </a:t>
-            </a:r>
-            <a:r>
-              <a:rPr lang="de-DE" b="1" dirty="0"/>
-              <a:t>entwickelt</a:t>
-            </a:r>
-          </a:p>
-          <a:p>
-            <a:r>
-              <a:rPr lang="de-DE" dirty="0"/>
               <a:t>Algorithmus</a:t>
             </a:r>
             <a:r>
@@ -43288,8 +43258,64 @@
               <a:rPr lang="en-GB" dirty="0">
                 <a:sym typeface="Wingdings" panose="05000000000000000000" pitchFamily="2" charset="2"/>
               </a:rPr>
-              <a:t> RevPi</a:t>
-            </a:r>
+              <a:t> </a:t>
+            </a:r>
+            <a:r>
+              <a:rPr lang="en-GB" dirty="0" err="1">
+                <a:sym typeface="Wingdings" panose="05000000000000000000" pitchFamily="2" charset="2"/>
+              </a:rPr>
+              <a:t>RevPi</a:t>
+            </a:r>
+            <a:endParaRPr lang="en-GB" dirty="0">
+              <a:sym typeface="Wingdings" panose="05000000000000000000" pitchFamily="2" charset="2"/>
+            </a:endParaRPr>
+          </a:p>
+          <a:p>
+            <a:r>
+              <a:rPr lang="de-DE" dirty="0">
+                <a:sym typeface="Wingdings" panose="05000000000000000000" pitchFamily="2" charset="2"/>
+              </a:rPr>
+              <a:t>Intelligente</a:t>
+            </a:r>
+            <a:r>
+              <a:rPr lang="en-GB" dirty="0">
+                <a:sym typeface="Wingdings" panose="05000000000000000000" pitchFamily="2" charset="2"/>
+              </a:rPr>
+              <a:t> </a:t>
+            </a:r>
+            <a:r>
+              <a:rPr lang="de-DE" dirty="0">
+                <a:sym typeface="Wingdings" panose="05000000000000000000" pitchFamily="2" charset="2"/>
+              </a:rPr>
+              <a:t>Verteilung</a:t>
+            </a:r>
+            <a:r>
+              <a:rPr lang="en-GB" dirty="0">
+                <a:sym typeface="Wingdings" panose="05000000000000000000" pitchFamily="2" charset="2"/>
+              </a:rPr>
+              <a:t> der </a:t>
+            </a:r>
+            <a:r>
+              <a:rPr lang="de-DE" dirty="0">
+                <a:sym typeface="Wingdings" panose="05000000000000000000" pitchFamily="2" charset="2"/>
+              </a:rPr>
+              <a:t>verfügbaren</a:t>
+            </a:r>
+            <a:r>
+              <a:rPr lang="en-GB" dirty="0">
+                <a:sym typeface="Wingdings" panose="05000000000000000000" pitchFamily="2" charset="2"/>
+              </a:rPr>
+              <a:t> </a:t>
+            </a:r>
+            <a:r>
+              <a:rPr lang="en-GB" dirty="0" err="1">
+                <a:sym typeface="Wingdings" panose="05000000000000000000" pitchFamily="2" charset="2"/>
+              </a:rPr>
+              <a:t>Kapazitäten</a:t>
+            </a:r>
+            <a:endParaRPr lang="en-GB" dirty="0">
+              <a:sym typeface="Wingdings" panose="05000000000000000000" pitchFamily="2" charset="2"/>
+            </a:endParaRPr>
           </a:p>
           <a:p>
             <a:r>
@@ -43539,6 +43565,26 @@
                 <a:sym typeface="Wingdings" panose="05000000000000000000" pitchFamily="2" charset="2"/>
               </a:rPr>
               <a:t>bestanden</a:t>
+            </a:r>
+          </a:p>
+          <a:p>
+            <a:r>
+              <a:rPr lang="de-DE" dirty="0">
+                <a:sym typeface="Wingdings" panose="05000000000000000000" pitchFamily="2" charset="2"/>
+              </a:rPr>
+              <a:t>Einfache </a:t>
+            </a:r>
+            <a:r>
+              <a:rPr lang="de-DE" b="1" dirty="0">
+                <a:sym typeface="Wingdings" panose="05000000000000000000" pitchFamily="2" charset="2"/>
+              </a:rPr>
+              <a:t>Anpassbarkeit</a:t>
+            </a:r>
+            <a:r>
+              <a:rPr lang="de-DE" dirty="0">
+                <a:sym typeface="Wingdings" panose="05000000000000000000" pitchFamily="2" charset="2"/>
+              </a:rPr>
+              <a:t> der Optimierungsparameter</a:t>
             </a:r>
           </a:p>
         </p:txBody>
@@ -43768,66 +43814,6 @@
               <a:t>st156449@stud.uni-stuttgart.de</a:t>
             </a:r>
             <a:endParaRPr lang="en-GB" dirty="0"/>
-          </a:p>
-        </p:txBody>
-      </p:sp>
-      <p:sp>
-        <p:nvSpPr>
-          <p:cNvPr id="3" name="Textplatzhalter 2">
-            <a:extLst>
-              <a:ext uri="{FF2B5EF4-FFF2-40B4-BE49-F238E27FC236}">
-                <a16:creationId xmlns:a16="http://schemas.microsoft.com/office/drawing/2014/main" id="{42184223-F078-4B54-A5DF-E60B25F81A78}"/>
-              </a:ext>
-            </a:extLst>
-          </p:cNvPr>
-          <p:cNvSpPr>
-            <a:spLocks noGrp="1"/>
-          </p:cNvSpPr>
-          <p:nvPr>
-            <p:ph type="body" sz="quarter" idx="4294967295"/>
-          </p:nvPr>
-        </p:nvSpPr>
-        <p:spPr>
-          <a:xfrm>
-            <a:off x="3832914" y="3249157"/>
-            <a:ext cx="649267" cy="238330"/>
-          </a:xfrm>
-        </p:spPr>
-        <p:txBody>
-          <a:bodyPr/>
-          <a:lstStyle/>
-          <a:p>
-            <a:endParaRPr lang="de-DE" dirty="0"/>
-          </a:p>
-        </p:txBody>
-      </p:sp>
-      <p:sp>
-        <p:nvSpPr>
-          <p:cNvPr id="5" name="Textplatzhalter 4">
-            <a:extLst>
-              <a:ext uri="{FF2B5EF4-FFF2-40B4-BE49-F238E27FC236}">
-                <a16:creationId xmlns:a16="http://schemas.microsoft.com/office/drawing/2014/main" id="{296DEA2C-32BA-4A86-AEF1-C789A498B856}"/>
-              </a:ext>
-            </a:extLst>
-          </p:cNvPr>
-          <p:cNvSpPr>
-            <a:spLocks noGrp="1"/>
-          </p:cNvSpPr>
-          <p:nvPr>
-            <p:ph type="body" sz="quarter" idx="4294967295"/>
-          </p:nvPr>
-        </p:nvSpPr>
-        <p:spPr>
-          <a:xfrm>
-            <a:off x="3832914" y="3001893"/>
-            <a:ext cx="649267" cy="238330"/>
-          </a:xfrm>
-        </p:spPr>
-        <p:txBody>
-          <a:bodyPr/>
-          <a:lstStyle/>
-          <a:p>
-            <a:endParaRPr lang="de-DE" dirty="0"/>
           </a:p>
         </p:txBody>
       </p:sp>
@@ -44247,15 +44233,7 @@
           <a:p>
             <a:r>
               <a:rPr lang="de-DE" dirty="0"/>
-              <a:t>Einleitung</a:t>
-            </a:r>
-            <a:r>
-              <a:rPr lang="en-GB" dirty="0"/>
-              <a:t> und </a:t>
-            </a:r>
-            <a:r>
-              <a:rPr lang="de-DE" dirty="0"/>
-              <a:t>Aufgabenstellung</a:t>
+              <a:t>Motivation</a:t>
             </a:r>
           </a:p>
         </p:txBody>
@@ -44482,11 +44460,11 @@
               <a:t>“	</a:t>
             </a:r>
             <a:r>
-              <a:rPr lang="en-GB" sz="1400" b="1" dirty="0" err="1"/>
+              <a:rPr lang="de-DE" sz="1400" b="1" dirty="0"/>
               <a:t>i</a:t>
             </a:r>
             <a:r>
-              <a:rPr lang="en-GB" sz="1400" dirty="0" err="1"/>
+              <a:rPr lang="de-DE" sz="1400" dirty="0"/>
               <a:t>ntelligentes</a:t>
             </a:r>
             <a:r>
@@ -44494,19 +44472,19 @@
               <a:t> </a:t>
             </a:r>
             <a:r>
-              <a:rPr lang="en-GB" sz="1400" b="1" dirty="0" err="1"/>
+              <a:rPr lang="de-DE" sz="1400" b="1" dirty="0"/>
               <a:t>L</a:t>
             </a:r>
             <a:r>
-              <a:rPr lang="en-GB" sz="1400" dirty="0" err="1"/>
+              <a:rPr lang="de-DE" sz="1400" dirty="0"/>
               <a:t>ade</a:t>
             </a:r>
             <a:r>
-              <a:rPr lang="en-GB" sz="1400" b="1" dirty="0" err="1"/>
+              <a:rPr lang="de-DE" sz="1400" b="1" dirty="0"/>
               <a:t>i</a:t>
             </a:r>
             <a:r>
-              <a:rPr lang="en-GB" sz="1400" dirty="0" err="1"/>
+              <a:rPr lang="de-DE" sz="1400" dirty="0"/>
               <a:t>nfrastruktur</a:t>
             </a:r>
             <a:r>
@@ -44522,7 +44500,7 @@
               <a:t>anagement </a:t>
             </a:r>
             <a:r>
-              <a:rPr lang="en-GB" sz="1400" dirty="0" err="1"/>
+              <a:rPr lang="de-DE" sz="1400" dirty="0"/>
               <a:t>für</a:t>
             </a:r>
             <a:r>
@@ -44530,11 +44508,11 @@
               <a:t> </a:t>
             </a:r>
             <a:r>
-              <a:rPr lang="en-GB" sz="1400" b="1" dirty="0" err="1"/>
+              <a:rPr lang="de-DE" sz="1400" b="1" dirty="0"/>
               <a:t>E</a:t>
             </a:r>
             <a:r>
-              <a:rPr lang="en-GB" sz="1400" dirty="0" err="1"/>
+              <a:rPr lang="de-DE" sz="1400" dirty="0"/>
               <a:t>lektro-mobilität</a:t>
             </a:r>
             <a:r>
